--- a/台語變調程式說明(含附件檔案說明).pptx
+++ b/台語變調程式說明(含附件檔案說明).pptx
@@ -287,7 +287,7 @@
           <a:p>
             <a:fld id="{3B79A7B3-19CD-4A90-87EE-8003ECD5C5D8}" type="datetimeFigureOut">
               <a:rPr lang="zh-TW" altLang="en-US" smtClean="0"/>
-              <a:t>2022/3/16</a:t>
+              <a:t>2022/3/17</a:t>
             </a:fld>
             <a:endParaRPr lang="zh-TW" altLang="en-US"/>
           </a:p>
@@ -457,7 +457,7 @@
           <a:p>
             <a:fld id="{3B79A7B3-19CD-4A90-87EE-8003ECD5C5D8}" type="datetimeFigureOut">
               <a:rPr lang="zh-TW" altLang="en-US" smtClean="0"/>
-              <a:t>2022/3/16</a:t>
+              <a:t>2022/3/17</a:t>
             </a:fld>
             <a:endParaRPr lang="zh-TW" altLang="en-US"/>
           </a:p>
@@ -637,7 +637,7 @@
           <a:p>
             <a:fld id="{3B79A7B3-19CD-4A90-87EE-8003ECD5C5D8}" type="datetimeFigureOut">
               <a:rPr lang="zh-TW" altLang="en-US" smtClean="0"/>
-              <a:t>2022/3/16</a:t>
+              <a:t>2022/3/17</a:t>
             </a:fld>
             <a:endParaRPr lang="zh-TW" altLang="en-US"/>
           </a:p>
@@ -807,7 +807,7 @@
           <a:p>
             <a:fld id="{3B79A7B3-19CD-4A90-87EE-8003ECD5C5D8}" type="datetimeFigureOut">
               <a:rPr lang="zh-TW" altLang="en-US" smtClean="0"/>
-              <a:t>2022/3/16</a:t>
+              <a:t>2022/3/17</a:t>
             </a:fld>
             <a:endParaRPr lang="zh-TW" altLang="en-US"/>
           </a:p>
@@ -1075,7 +1075,7 @@
           <a:p>
             <a:fld id="{3B79A7B3-19CD-4A90-87EE-8003ECD5C5D8}" type="datetimeFigureOut">
               <a:rPr lang="zh-TW" altLang="en-US" smtClean="0"/>
-              <a:t>2022/3/16</a:t>
+              <a:t>2022/3/17</a:t>
             </a:fld>
             <a:endParaRPr lang="zh-TW" altLang="en-US"/>
           </a:p>
@@ -1307,7 +1307,7 @@
           <a:p>
             <a:fld id="{3B79A7B3-19CD-4A90-87EE-8003ECD5C5D8}" type="datetimeFigureOut">
               <a:rPr lang="zh-TW" altLang="en-US" smtClean="0"/>
-              <a:t>2022/3/16</a:t>
+              <a:t>2022/3/17</a:t>
             </a:fld>
             <a:endParaRPr lang="zh-TW" altLang="en-US"/>
           </a:p>
@@ -1666,7 +1666,7 @@
           <a:p>
             <a:fld id="{3B79A7B3-19CD-4A90-87EE-8003ECD5C5D8}" type="datetimeFigureOut">
               <a:rPr lang="zh-TW" altLang="en-US" smtClean="0"/>
-              <a:t>2022/3/16</a:t>
+              <a:t>2022/3/17</a:t>
             </a:fld>
             <a:endParaRPr lang="zh-TW" altLang="en-US"/>
           </a:p>
@@ -1807,7 +1807,7 @@
           <a:p>
             <a:fld id="{3B79A7B3-19CD-4A90-87EE-8003ECD5C5D8}" type="datetimeFigureOut">
               <a:rPr lang="zh-TW" altLang="en-US" smtClean="0"/>
-              <a:t>2022/3/16</a:t>
+              <a:t>2022/3/17</a:t>
             </a:fld>
             <a:endParaRPr lang="zh-TW" altLang="en-US"/>
           </a:p>
@@ -1902,7 +1902,7 @@
           <a:p>
             <a:fld id="{3B79A7B3-19CD-4A90-87EE-8003ECD5C5D8}" type="datetimeFigureOut">
               <a:rPr lang="zh-TW" altLang="en-US" smtClean="0"/>
-              <a:t>2022/3/16</a:t>
+              <a:t>2022/3/17</a:t>
             </a:fld>
             <a:endParaRPr lang="zh-TW" altLang="en-US"/>
           </a:p>
@@ -2259,7 +2259,7 @@
           <a:p>
             <a:fld id="{3B79A7B3-19CD-4A90-87EE-8003ECD5C5D8}" type="datetimeFigureOut">
               <a:rPr lang="zh-TW" altLang="en-US" smtClean="0"/>
-              <a:t>2022/3/16</a:t>
+              <a:t>2022/3/17</a:t>
             </a:fld>
             <a:endParaRPr lang="zh-TW" altLang="en-US"/>
           </a:p>
@@ -2616,7 +2616,7 @@
           <a:p>
             <a:fld id="{3B79A7B3-19CD-4A90-87EE-8003ECD5C5D8}" type="datetimeFigureOut">
               <a:rPr lang="zh-TW" altLang="en-US" smtClean="0"/>
-              <a:t>2022/3/16</a:t>
+              <a:t>2022/3/17</a:t>
             </a:fld>
             <a:endParaRPr lang="zh-TW" altLang="en-US"/>
           </a:p>
@@ -2857,7 +2857,7 @@
           <a:p>
             <a:fld id="{3B79A7B3-19CD-4A90-87EE-8003ECD5C5D8}" type="datetimeFigureOut">
               <a:rPr lang="zh-TW" altLang="en-US" smtClean="0"/>
-              <a:t>2022/3/16</a:t>
+              <a:t>2022/3/17</a:t>
             </a:fld>
             <a:endParaRPr lang="zh-TW" altLang="en-US"/>
           </a:p>
@@ -5981,7 +5981,7 @@
               <a:rPr lang="zh-TW" altLang="en-US" sz="2400">
                 <a:latin typeface="+mn-ea"/>
               </a:rPr>
-              <a:t>擷取其中含有變調功能的程式碼，整理成一初版程式，並以現有校正好台語變調的語料測試變調前後的錯誤率。並整理意傳此工具的變調規則加以討論，請賴老師看變調規則還有哪裡可以改善，以減少變調程式的錯誤率。</a:t>
+              <a:t>擷取其中含有變調功能的程式碼，整理成一初版程式，並以現有校正好台語變調的語料測試變調前後的錯誤率。</a:t>
             </a:r>
             <a:endParaRPr lang="en-US" altLang="zh-TW" sz="2400">
               <a:latin typeface="+mn-ea"/>
